--- a/presentations/Practical_5_hybrid_de_novo_assembly.pptx
+++ b/presentations/Practical_5_hybrid_de_novo_assembly.pptx
@@ -202,7 +202,7 @@
             <a:fld id="{7B017CDE-E91F-D348-A70E-2B7B84391936}" type="datetimeFigureOut">
               <a:rPr lang="en-US" smtClean="0"/>
               <a:pPr/>
-              <a:t>22/10/2011</a:t>
+              <a:t>27/10/2011</a:t>
             </a:fld>
             <a:endParaRPr lang="en-US"/>
           </a:p>
@@ -655,7 +655,7 @@
             <a:fld id="{A4AAEA4C-2FC0-8F41-AA8D-DA93A16F9072}" type="datetimeFigureOut">
               <a:rPr lang="en-US" smtClean="0"/>
               <a:pPr/>
-              <a:t>22/10/2011</a:t>
+              <a:t>27/10/2011</a:t>
             </a:fld>
             <a:endParaRPr lang="en-US"/>
           </a:p>
@@ -822,7 +822,7 @@
             <a:fld id="{A4AAEA4C-2FC0-8F41-AA8D-DA93A16F9072}" type="datetimeFigureOut">
               <a:rPr lang="en-US" smtClean="0"/>
               <a:pPr/>
-              <a:t>22/10/2011</a:t>
+              <a:t>27/10/2011</a:t>
             </a:fld>
             <a:endParaRPr lang="en-US"/>
           </a:p>
@@ -999,7 +999,7 @@
             <a:fld id="{A4AAEA4C-2FC0-8F41-AA8D-DA93A16F9072}" type="datetimeFigureOut">
               <a:rPr lang="en-US" smtClean="0"/>
               <a:pPr/>
-              <a:t>22/10/2011</a:t>
+              <a:t>27/10/2011</a:t>
             </a:fld>
             <a:endParaRPr lang="en-US"/>
           </a:p>
@@ -1166,7 +1166,7 @@
             <a:fld id="{A4AAEA4C-2FC0-8F41-AA8D-DA93A16F9072}" type="datetimeFigureOut">
               <a:rPr lang="en-US" smtClean="0"/>
               <a:pPr/>
-              <a:t>22/10/2011</a:t>
+              <a:t>27/10/2011</a:t>
             </a:fld>
             <a:endParaRPr lang="en-US"/>
           </a:p>
@@ -1409,7 +1409,7 @@
             <a:fld id="{A4AAEA4C-2FC0-8F41-AA8D-DA93A16F9072}" type="datetimeFigureOut">
               <a:rPr lang="en-US" smtClean="0"/>
               <a:pPr/>
-              <a:t>22/10/2011</a:t>
+              <a:t>27/10/2011</a:t>
             </a:fld>
             <a:endParaRPr lang="en-US"/>
           </a:p>
@@ -1694,7 +1694,7 @@
             <a:fld id="{A4AAEA4C-2FC0-8F41-AA8D-DA93A16F9072}" type="datetimeFigureOut">
               <a:rPr lang="en-US" smtClean="0"/>
               <a:pPr/>
-              <a:t>22/10/2011</a:t>
+              <a:t>27/10/2011</a:t>
             </a:fld>
             <a:endParaRPr lang="en-US"/>
           </a:p>
@@ -2113,7 +2113,7 @@
             <a:fld id="{A4AAEA4C-2FC0-8F41-AA8D-DA93A16F9072}" type="datetimeFigureOut">
               <a:rPr lang="en-US" smtClean="0"/>
               <a:pPr/>
-              <a:t>22/10/2011</a:t>
+              <a:t>27/10/2011</a:t>
             </a:fld>
             <a:endParaRPr lang="en-US"/>
           </a:p>
@@ -2228,7 +2228,7 @@
             <a:fld id="{A4AAEA4C-2FC0-8F41-AA8D-DA93A16F9072}" type="datetimeFigureOut">
               <a:rPr lang="en-US" smtClean="0"/>
               <a:pPr/>
-              <a:t>22/10/2011</a:t>
+              <a:t>27/10/2011</a:t>
             </a:fld>
             <a:endParaRPr lang="en-US"/>
           </a:p>
@@ -2320,7 +2320,7 @@
             <a:fld id="{A4AAEA4C-2FC0-8F41-AA8D-DA93A16F9072}" type="datetimeFigureOut">
               <a:rPr lang="en-US" smtClean="0"/>
               <a:pPr/>
-              <a:t>22/10/2011</a:t>
+              <a:t>27/10/2011</a:t>
             </a:fld>
             <a:endParaRPr lang="en-US"/>
           </a:p>
@@ -2594,7 +2594,7 @@
             <a:fld id="{A4AAEA4C-2FC0-8F41-AA8D-DA93A16F9072}" type="datetimeFigureOut">
               <a:rPr lang="en-US" smtClean="0"/>
               <a:pPr/>
-              <a:t>22/10/2011</a:t>
+              <a:t>27/10/2011</a:t>
             </a:fld>
             <a:endParaRPr lang="en-US"/>
           </a:p>
@@ -2844,7 +2844,7 @@
             <a:fld id="{A4AAEA4C-2FC0-8F41-AA8D-DA93A16F9072}" type="datetimeFigureOut">
               <a:rPr lang="en-US" smtClean="0"/>
               <a:pPr/>
-              <a:t>22/10/2011</a:t>
+              <a:t>27/10/2011</a:t>
             </a:fld>
             <a:endParaRPr lang="en-US"/>
           </a:p>
@@ -3114,7 +3114,7 @@
             <a:fld id="{A4AAEA4C-2FC0-8F41-AA8D-DA93A16F9072}" type="datetimeFigureOut">
               <a:rPr lang="en-US" smtClean="0"/>
               <a:pPr/>
-              <a:t>22/10/2011</a:t>
+              <a:t>27/10/2011</a:t>
             </a:fld>
             <a:endParaRPr lang="en-US"/>
           </a:p>
@@ -3503,8 +3503,16 @@
           <a:lstStyle/>
           <a:p>
             <a:r>
+              <a:rPr lang="en-US" sz="3000" smtClean="0"/>
+              <a:t>Practical </a:t>
+            </a:r>
+            <a:r>
+              <a:rPr lang="en-US" sz="3000" smtClean="0"/>
+              <a:t>5</a:t>
+            </a:r>
+            <a:r>
               <a:rPr lang="en-US" sz="3000" dirty="0" smtClean="0"/>
-              <a:t>Practical 6</a:t>
+              <a:t/>
             </a:r>
             <a:br>
               <a:rPr lang="en-US" sz="3000" dirty="0" smtClean="0"/>
@@ -3834,6 +3842,13 @@
   <p:clrMapOvr>
     <a:masterClrMapping/>
   </p:clrMapOvr>
+  <p:timing>
+    <p:tnLst>
+      <p:par>
+        <p:cTn xmlns:p14="http://schemas.microsoft.com/office/powerpoint/2010/main" id="1" dur="indefinite" restart="never" nodeType="tmRoot"/>
+      </p:par>
+    </p:tnLst>
+  </p:timing>
 </p:sld>
 </file>
 
@@ -3940,6 +3955,13 @@
   <p:clrMapOvr>
     <a:masterClrMapping/>
   </p:clrMapOvr>
+  <p:timing>
+    <p:tnLst>
+      <p:par>
+        <p:cTn xmlns:p14="http://schemas.microsoft.com/office/powerpoint/2010/main" id="1" dur="indefinite" restart="never" nodeType="tmRoot"/>
+      </p:par>
+    </p:tnLst>
+  </p:timing>
 </p:sld>
 </file>
 
